--- a/Note/Prototype.pptx
+++ b/Note/Prototype.pptx
@@ -6,16 +6,15 @@
   </p:sldMasterIdLst>
   <p:sldIdLst>
     <p:sldId id="281" r:id="rId2"/>
-    <p:sldId id="269" r:id="rId3"/>
+    <p:sldId id="287" r:id="rId3"/>
     <p:sldId id="270" r:id="rId4"/>
-    <p:sldId id="272" r:id="rId5"/>
-    <p:sldId id="273" r:id="rId6"/>
-    <p:sldId id="274" r:id="rId7"/>
-    <p:sldId id="276" r:id="rId8"/>
-    <p:sldId id="277" r:id="rId9"/>
-    <p:sldId id="278" r:id="rId10"/>
-    <p:sldId id="279" r:id="rId11"/>
-    <p:sldId id="280" r:id="rId12"/>
+    <p:sldId id="274" r:id="rId5"/>
+    <p:sldId id="283" r:id="rId6"/>
+    <p:sldId id="269" r:id="rId7"/>
+    <p:sldId id="284" r:id="rId8"/>
+    <p:sldId id="285" r:id="rId9"/>
+    <p:sldId id="286" r:id="rId10"/>
+    <p:sldId id="282" r:id="rId11"/>
   </p:sldIdLst>
   <p:sldSz cx="12192000" cy="6858000"/>
   <p:notesSz cx="6858000" cy="9144000"/>
@@ -261,7 +260,7 @@
           <a:p>
             <a:fld id="{48A87A34-81AB-432B-8DAE-1953F412C126}" type="datetimeFigureOut">
               <a:rPr lang="en-US" dirty="0"/>
-              <a:t>9/8/2018</a:t>
+              <a:t>6/22/2019</a:t>
             </a:fld>
             <a:endParaRPr lang="en-US" dirty="0"/>
           </a:p>
@@ -467,7 +466,7 @@
           <a:p>
             <a:fld id="{48A87A34-81AB-432B-8DAE-1953F412C126}" type="datetimeFigureOut">
               <a:rPr lang="en-US" dirty="0"/>
-              <a:t>9/8/2018</a:t>
+              <a:t>6/22/2019</a:t>
             </a:fld>
             <a:endParaRPr lang="en-US" dirty="0"/>
           </a:p>
@@ -677,7 +676,7 @@
           <a:p>
             <a:fld id="{48A87A34-81AB-432B-8DAE-1953F412C126}" type="datetimeFigureOut">
               <a:rPr lang="en-US" dirty="0"/>
-              <a:t>9/8/2018</a:t>
+              <a:t>6/22/2019</a:t>
             </a:fld>
             <a:endParaRPr lang="en-US" dirty="0"/>
           </a:p>
@@ -873,7 +872,7 @@
           <a:p>
             <a:fld id="{48A87A34-81AB-432B-8DAE-1953F412C126}" type="datetimeFigureOut">
               <a:rPr lang="en-US" dirty="0"/>
-              <a:t>9/8/2018</a:t>
+              <a:t>6/22/2019</a:t>
             </a:fld>
             <a:endParaRPr lang="en-US" dirty="0"/>
           </a:p>
@@ -1147,7 +1146,7 @@
           <a:p>
             <a:fld id="{48A87A34-81AB-432B-8DAE-1953F412C126}" type="datetimeFigureOut">
               <a:rPr lang="en-US" dirty="0"/>
-              <a:t>9/8/2018</a:t>
+              <a:t>6/22/2019</a:t>
             </a:fld>
             <a:endParaRPr lang="en-US" dirty="0"/>
           </a:p>
@@ -1410,7 +1409,7 @@
           <a:p>
             <a:fld id="{48A87A34-81AB-432B-8DAE-1953F412C126}" type="datetimeFigureOut">
               <a:rPr lang="en-US" dirty="0"/>
-              <a:t>9/8/2018</a:t>
+              <a:t>6/22/2019</a:t>
             </a:fld>
             <a:endParaRPr lang="en-US" dirty="0"/>
           </a:p>
@@ -1821,7 +1820,7 @@
           <a:p>
             <a:fld id="{48A87A34-81AB-432B-8DAE-1953F412C126}" type="datetimeFigureOut">
               <a:rPr lang="en-US" dirty="0"/>
-              <a:t>9/8/2018</a:t>
+              <a:t>6/22/2019</a:t>
             </a:fld>
             <a:endParaRPr lang="en-US" dirty="0"/>
           </a:p>
@@ -1965,7 +1964,7 @@
           <a:p>
             <a:fld id="{48A87A34-81AB-432B-8DAE-1953F412C126}" type="datetimeFigureOut">
               <a:rPr lang="en-US" dirty="0"/>
-              <a:t>9/8/2018</a:t>
+              <a:t>6/22/2019</a:t>
             </a:fld>
             <a:endParaRPr lang="en-US" dirty="0"/>
           </a:p>
@@ -2086,7 +2085,7 @@
           <a:p>
             <a:fld id="{48A87A34-81AB-432B-8DAE-1953F412C126}" type="datetimeFigureOut">
               <a:rPr lang="en-US" dirty="0"/>
-              <a:t>9/8/2018</a:t>
+              <a:t>6/22/2019</a:t>
             </a:fld>
             <a:endParaRPr lang="en-US" dirty="0"/>
           </a:p>
@@ -2332,7 +2331,7 @@
           <a:p>
             <a:fld id="{48A87A34-81AB-432B-8DAE-1953F412C126}" type="datetimeFigureOut">
               <a:rPr lang="en-US" dirty="0"/>
-              <a:t>9/8/2018</a:t>
+              <a:t>6/22/2019</a:t>
             </a:fld>
             <a:endParaRPr lang="en-US" dirty="0"/>
           </a:p>
@@ -2773,7 +2772,7 @@
             <a:fld id="{48A87A34-81AB-432B-8DAE-1953F412C126}" type="datetimeFigureOut">
               <a:rPr lang="en-US" dirty="0"/>
               <a:pPr/>
-              <a:t>9/8/2018</a:t>
+              <a:t>6/22/2019</a:t>
             </a:fld>
             <a:endParaRPr lang="en-US" dirty="0"/>
           </a:p>
@@ -3095,7 +3094,7 @@
             <a:fld id="{48A87A34-81AB-432B-8DAE-1953F412C126}" type="datetimeFigureOut">
               <a:rPr lang="en-US" dirty="0"/>
               <a:pPr/>
-              <a:t>9/8/2018</a:t>
+              <a:t>6/22/2019</a:t>
             </a:fld>
             <a:endParaRPr lang="en-US" dirty="0"/>
           </a:p>
@@ -3629,18 +3628,86 @@
         </p:spPr>
         <p:txBody>
           <a:bodyPr>
-            <a:normAutofit/>
+            <a:noAutofit/>
           </a:bodyPr>
           <a:lstStyle/>
           <a:p>
             <a:r>
               <a:rPr lang="en-US" sz="2200" dirty="0"/>
-              <a:t>Paper Prototypes are used to quickly and easily explore the solution space of a problem </a:t>
-            </a:r>
-            <a:br>
+              <a:t>Paper Prototypes are used to quickly and easily explore the solution space of a problem</a:t>
+            </a:r>
+          </a:p>
+          <a:p>
+            <a:r>
+              <a:rPr lang="en-GB" altLang="en-US" sz="2200" dirty="0"/>
+              <a:t>It’s a </a:t>
+            </a:r>
+            <a:r>
+              <a:rPr lang="en-GB" altLang="en-US" sz="2200" b="1" dirty="0"/>
+              <a:t>low fidelity</a:t>
+            </a:r>
+            <a:r>
+              <a:rPr lang="en-GB" altLang="en-US" sz="2200" dirty="0"/>
+              <a:t> approach.</a:t>
+            </a:r>
+          </a:p>
+          <a:p>
+            <a:pPr lvl="1"/>
+            <a:r>
+              <a:rPr lang="en-GB" altLang="en-US" sz="2200" dirty="0"/>
+              <a:t>All you need is a piece of paper and a pencil</a:t>
+            </a:r>
+          </a:p>
+          <a:p>
+            <a:r>
+              <a:rPr lang="en-GB" altLang="en-US" sz="2200" dirty="0"/>
+              <a:t>It is a </a:t>
+            </a:r>
+            <a:r>
+              <a:rPr lang="en-GB" altLang="en-US" sz="2200" b="1" dirty="0"/>
+              <a:t>throwaway</a:t>
+            </a:r>
+            <a:r>
+              <a:rPr lang="en-GB" altLang="en-US" sz="2200" dirty="0"/>
+              <a:t> approach.</a:t>
+            </a:r>
+          </a:p>
+          <a:p>
+            <a:pPr lvl="1"/>
+            <a:r>
+              <a:rPr lang="en-GB" altLang="en-US" sz="2200" dirty="0"/>
+              <a:t>You only invest what effort you are willing to completely abandon.</a:t>
+            </a:r>
+          </a:p>
+          <a:p>
+            <a:r>
+              <a:rPr lang="en-GB" altLang="en-US" sz="2200" dirty="0"/>
+              <a:t>It is an </a:t>
+            </a:r>
+            <a:r>
+              <a:rPr lang="en-GB" altLang="en-US" sz="2200" b="1" dirty="0"/>
+              <a:t>iterative</a:t>
+            </a:r>
+            <a:r>
+              <a:rPr lang="en-GB" altLang="en-US" sz="2200" dirty="0"/>
+              <a:t> approach.</a:t>
+            </a:r>
+          </a:p>
+          <a:p>
+            <a:pPr lvl="2"/>
+            <a:r>
+              <a:rPr lang="en-GB" altLang="en-US" sz="2200" dirty="0"/>
+              <a:t>We do it over and over and over</a:t>
+            </a:r>
+          </a:p>
+          <a:p>
+            <a:pPr marL="0" indent="0">
+              <a:buNone/>
+            </a:pPr>
+            <a:r>
               <a:rPr lang="en-US" sz="2200" dirty="0"/>
-            </a:br>
-            <a:endParaRPr lang="en-US" sz="2200" dirty="0"/>
+              <a:t> </a:t>
+            </a:r>
           </a:p>
         </p:txBody>
       </p:sp>
@@ -3679,7 +3746,7 @@
           <p:cNvPr id="2" name="Title 1">
             <a:extLst>
               <a:ext uri="{FF2B5EF4-FFF2-40B4-BE49-F238E27FC236}">
-                <a16:creationId xmlns:a16="http://schemas.microsoft.com/office/drawing/2014/main" id="{FB98970B-ABDA-4D01-B3A3-57211CB5CFCD}"/>
+                <a16:creationId xmlns:a16="http://schemas.microsoft.com/office/drawing/2014/main" id="{1F300F69-DC9B-4342-90B1-310E0ED83B20}"/>
               </a:ext>
             </a:extLst>
           </p:cNvPr>
@@ -3692,12 +3759,13 @@
         </p:nvSpPr>
         <p:spPr/>
         <p:txBody>
-          <a:bodyPr>
-            <a:normAutofit/>
-          </a:bodyPr>
-          <a:lstStyle/>
-          <a:p>
-            <a:endParaRPr lang="en-US" dirty="0"/>
+          <a:bodyPr/>
+          <a:lstStyle/>
+          <a:p>
+            <a:r>
+              <a:rPr lang="en-US" dirty="0"/>
+              <a:t>References</a:t>
+            </a:r>
           </a:p>
         </p:txBody>
       </p:sp>
@@ -3706,7 +3774,7 @@
           <p:cNvPr id="3" name="Content Placeholder 2">
             <a:extLst>
               <a:ext uri="{FF2B5EF4-FFF2-40B4-BE49-F238E27FC236}">
-                <a16:creationId xmlns:a16="http://schemas.microsoft.com/office/drawing/2014/main" id="{4B66C748-B13B-4306-A799-79E3FE6649D1}"/>
+                <a16:creationId xmlns:a16="http://schemas.microsoft.com/office/drawing/2014/main" id="{799A70D7-5CBA-44BC-9F69-60840B7D976F}"/>
               </a:ext>
             </a:extLst>
           </p:cNvPr>
@@ -3717,18 +3785,20 @@
             <p:ph idx="1"/>
           </p:nvPr>
         </p:nvSpPr>
-        <p:spPr>
-          <a:xfrm>
-            <a:off x="1451579" y="1853754"/>
-            <a:ext cx="9603275" cy="3612591"/>
-          </a:xfrm>
-        </p:spPr>
-        <p:txBody>
-          <a:bodyPr>
-            <a:normAutofit/>
-          </a:bodyPr>
-          <a:lstStyle/>
-          <a:p>
+        <p:spPr/>
+        <p:txBody>
+          <a:bodyPr/>
+          <a:lstStyle/>
+          <a:p>
+            <a:pPr marL="0" indent="0">
+              <a:buNone/>
+            </a:pPr>
+            <a:r>
+              <a:rPr lang="en-US" dirty="0">
+                <a:hlinkClick r:id="rId2"/>
+              </a:rPr>
+              <a:t>https://www.youtube.com/watch?v=YmcuN3NlnDU</a:t>
+            </a:r>
             <a:endParaRPr lang="en-US" dirty="0"/>
           </a:p>
         </p:txBody>
@@ -3736,69 +3806,7 @@
     </p:spTree>
     <p:extLst>
       <p:ext uri="{BB962C8B-B14F-4D97-AF65-F5344CB8AC3E}">
-        <p14:creationId xmlns:p14="http://schemas.microsoft.com/office/powerpoint/2010/main" val="538837482"/>
-      </p:ext>
-    </p:extLst>
-  </p:cSld>
-  <p:clrMapOvr>
-    <a:masterClrMapping/>
-  </p:clrMapOvr>
-</p:sld>
-</file>
-
-<file path=ppt/slides/slide11.xml><?xml version="1.0" encoding="utf-8"?>
-<p:sld xmlns:a="http://schemas.openxmlformats.org/drawingml/2006/main" xmlns:r="http://schemas.openxmlformats.org/officeDocument/2006/relationships" xmlns:p="http://schemas.openxmlformats.org/presentationml/2006/main">
-  <p:cSld>
-    <p:spTree>
-      <p:nvGrpSpPr>
-        <p:cNvPr id="1" name=""/>
-        <p:cNvGrpSpPr/>
-        <p:nvPr/>
-      </p:nvGrpSpPr>
-      <p:grpSpPr>
-        <a:xfrm>
-          <a:off x="0" y="0"/>
-          <a:ext cx="0" cy="0"/>
-          <a:chOff x="0" y="0"/>
-          <a:chExt cx="0" cy="0"/>
-        </a:xfrm>
-      </p:grpSpPr>
-      <p:sp>
-        <p:nvSpPr>
-          <p:cNvPr id="3" name="Content Placeholder 2">
-            <a:extLst>
-              <a:ext uri="{FF2B5EF4-FFF2-40B4-BE49-F238E27FC236}">
-                <a16:creationId xmlns:a16="http://schemas.microsoft.com/office/drawing/2014/main" id="{345C2A52-D3DD-4B2F-9FA1-BFF96B4A9C35}"/>
-              </a:ext>
-            </a:extLst>
-          </p:cNvPr>
-          <p:cNvSpPr>
-            <a:spLocks noGrp="1"/>
-          </p:cNvSpPr>
-          <p:nvPr>
-            <p:ph idx="4294967295"/>
-          </p:nvPr>
-        </p:nvSpPr>
-        <p:spPr>
-          <a:xfrm>
-            <a:off x="1209399" y="212035"/>
-            <a:ext cx="10054949" cy="5936974"/>
-          </a:xfrm>
-        </p:spPr>
-        <p:txBody>
-          <a:bodyPr>
-            <a:normAutofit/>
-          </a:bodyPr>
-          <a:lstStyle/>
-          <a:p>
-            <a:endParaRPr lang="en-US" dirty="0"/>
-          </a:p>
-        </p:txBody>
-      </p:sp>
-    </p:spTree>
-    <p:extLst>
-      <p:ext uri="{BB962C8B-B14F-4D97-AF65-F5344CB8AC3E}">
-        <p14:creationId xmlns:p14="http://schemas.microsoft.com/office/powerpoint/2010/main" val="3274530803"/>
+        <p14:creationId xmlns:p14="http://schemas.microsoft.com/office/powerpoint/2010/main" val="1049824745"/>
       </p:ext>
     </p:extLst>
   </p:cSld>
@@ -3827,10 +3835,39 @@
       </p:grpSpPr>
       <p:sp>
         <p:nvSpPr>
+          <p:cNvPr id="2" name="Title 1">
+            <a:extLst>
+              <a:ext uri="{FF2B5EF4-FFF2-40B4-BE49-F238E27FC236}">
+                <a16:creationId xmlns:a16="http://schemas.microsoft.com/office/drawing/2014/main" id="{EABF63D4-9F6C-4060-8483-E29EA58F3CC8}"/>
+              </a:ext>
+            </a:extLst>
+          </p:cNvPr>
+          <p:cNvSpPr>
+            <a:spLocks noGrp="1"/>
+          </p:cNvSpPr>
+          <p:nvPr>
+            <p:ph type="title"/>
+          </p:nvPr>
+        </p:nvSpPr>
+        <p:spPr/>
+        <p:txBody>
+          <a:bodyPr/>
+          <a:lstStyle/>
+          <a:p>
+            <a:r>
+              <a:rPr lang="en-GB" altLang="en-US" b="1" dirty="0"/>
+              <a:t>Developing a Paper Prototype</a:t>
+            </a:r>
+            <a:endParaRPr lang="en-US" b="1" dirty="0"/>
+          </a:p>
+        </p:txBody>
+      </p:sp>
+      <p:sp>
+        <p:nvSpPr>
           <p:cNvPr id="3" name="Content Placeholder 2">
             <a:extLst>
               <a:ext uri="{FF2B5EF4-FFF2-40B4-BE49-F238E27FC236}">
-                <a16:creationId xmlns:a16="http://schemas.microsoft.com/office/drawing/2014/main" id="{8500AFD3-4727-44C6-ADFB-5AD84ECB0C79}"/>
+                <a16:creationId xmlns:a16="http://schemas.microsoft.com/office/drawing/2014/main" id="{AE6A2A35-C041-449E-924D-0BE307A0D3DD}"/>
               </a:ext>
             </a:extLst>
           </p:cNvPr>
@@ -3843,61 +3880,98 @@
         </p:nvSpPr>
         <p:spPr>
           <a:xfrm>
-            <a:off x="1451578" y="1842052"/>
-            <a:ext cx="9603275" cy="4211429"/>
+            <a:off x="1451579" y="1853754"/>
+            <a:ext cx="9603275" cy="4308507"/>
           </a:xfrm>
         </p:spPr>
         <p:txBody>
           <a:bodyPr>
-            <a:noAutofit/>
+            <a:normAutofit/>
           </a:bodyPr>
           <a:lstStyle/>
           <a:p>
-            <a:r>
-              <a:rPr lang="en-US" sz="2400" dirty="0"/>
-              <a:t>Wizard of Oz prototyping (WOZ prototyping) is a design methodology used in rapid product development to improve the user experience (UX).</a:t>
-            </a:r>
-          </a:p>
-          <a:p>
-            <a:r>
-              <a:rPr lang="en-US" sz="2400" dirty="0"/>
-              <a:t>WOZ prototyping requires developers to create a rudimentary model of the completed product, which is called a prototype.  </a:t>
-            </a:r>
-          </a:p>
-        </p:txBody>
-      </p:sp>
-      <p:sp>
-        <p:nvSpPr>
-          <p:cNvPr id="8" name="Title 7">
-            <a:extLst>
-              <a:ext uri="{FF2B5EF4-FFF2-40B4-BE49-F238E27FC236}">
-                <a16:creationId xmlns:a16="http://schemas.microsoft.com/office/drawing/2014/main" id="{44ECFB31-5B7F-4A0E-9CD2-CA37D9F5E297}"/>
-              </a:ext>
-            </a:extLst>
-          </p:cNvPr>
-          <p:cNvSpPr>
-            <a:spLocks noGrp="1"/>
-          </p:cNvSpPr>
-          <p:nvPr>
-            <p:ph type="title"/>
-          </p:nvPr>
-        </p:nvSpPr>
-        <p:spPr/>
-        <p:txBody>
-          <a:bodyPr/>
-          <a:lstStyle/>
-          <a:p>
-            <a:r>
-              <a:rPr lang="en-US" b="1" dirty="0"/>
-              <a:t>Wizard of Oz</a:t>
-            </a:r>
+            <a:pPr lvl="1">
+              <a:buClrTx/>
+            </a:pPr>
+            <a:r>
+              <a:rPr lang="en-GB" altLang="en-US" sz="2200" dirty="0">
+                <a:cs typeface="Arial" panose="020B0604020202020204" pitchFamily="34" charset="0"/>
+              </a:rPr>
+              <a:t>It’s important here to remember you don’t need to get this right to begin with.</a:t>
+            </a:r>
+          </a:p>
+          <a:p>
+            <a:pPr lvl="2"/>
+            <a:r>
+              <a:rPr lang="en-GB" altLang="en-US" sz="2200" dirty="0">
+                <a:cs typeface="Arial" panose="020B0604020202020204" pitchFamily="34" charset="0"/>
+              </a:rPr>
+              <a:t>All that’s important is that you start.</a:t>
+            </a:r>
+          </a:p>
+          <a:p>
+            <a:pPr lvl="1">
+              <a:buClrTx/>
+            </a:pPr>
+            <a:r>
+              <a:rPr lang="en-GB" altLang="en-US" sz="2200" dirty="0">
+                <a:cs typeface="Arial" panose="020B0604020202020204" pitchFamily="34" charset="0"/>
+              </a:rPr>
+              <a:t>Draw the roughest possible shape of how a system might look.</a:t>
+            </a:r>
+          </a:p>
+          <a:p>
+            <a:pPr lvl="2"/>
+            <a:r>
+              <a:rPr lang="en-GB" altLang="en-US" sz="2200" dirty="0">
+                <a:cs typeface="Arial" panose="020B0604020202020204" pitchFamily="34" charset="0"/>
+              </a:rPr>
+              <a:t>As the user would see it.</a:t>
+            </a:r>
+          </a:p>
+          <a:p>
+            <a:pPr lvl="1">
+              <a:buClrTx/>
+            </a:pPr>
+            <a:r>
+              <a:rPr lang="en-GB" altLang="en-US" sz="2200" dirty="0">
+                <a:cs typeface="Arial" panose="020B0604020202020204" pitchFamily="34" charset="0"/>
+              </a:rPr>
+              <a:t>Your role in this is to show people an idea of what you think the system should be.</a:t>
+            </a:r>
+          </a:p>
+          <a:p>
+            <a:pPr lvl="2"/>
+            <a:r>
+              <a:rPr lang="en-GB" altLang="en-US" sz="2200" dirty="0">
+                <a:cs typeface="Arial" panose="020B0604020202020204" pitchFamily="34" charset="0"/>
+              </a:rPr>
+              <a:t>And gradually make it what </a:t>
+            </a:r>
+            <a:r>
+              <a:rPr lang="en-GB" altLang="en-US" sz="2200" b="1" dirty="0">
+                <a:cs typeface="Arial" panose="020B0604020202020204" pitchFamily="34" charset="0"/>
+              </a:rPr>
+              <a:t>they</a:t>
+            </a:r>
+            <a:r>
+              <a:rPr lang="en-GB" altLang="en-US" sz="2200" dirty="0">
+                <a:cs typeface="Arial" panose="020B0604020202020204" pitchFamily="34" charset="0"/>
+              </a:rPr>
+              <a:t> think it should be.</a:t>
+            </a:r>
+          </a:p>
+          <a:p>
+            <a:endParaRPr lang="en-US" sz="2200" dirty="0">
+              <a:cs typeface="Arial" panose="020B0604020202020204" pitchFamily="34" charset="0"/>
+            </a:endParaRPr>
           </a:p>
         </p:txBody>
       </p:sp>
     </p:spTree>
     <p:extLst>
       <p:ext uri="{BB962C8B-B14F-4D97-AF65-F5344CB8AC3E}">
-        <p14:creationId xmlns:p14="http://schemas.microsoft.com/office/powerpoint/2010/main" val="3342811550"/>
+        <p14:creationId xmlns:p14="http://schemas.microsoft.com/office/powerpoint/2010/main" val="808723294"/>
       </p:ext>
     </p:extLst>
   </p:cSld>
@@ -4040,7 +4114,7 @@
           <p:cNvPr id="2" name="Title 1">
             <a:extLst>
               <a:ext uri="{FF2B5EF4-FFF2-40B4-BE49-F238E27FC236}">
-                <a16:creationId xmlns:a16="http://schemas.microsoft.com/office/drawing/2014/main" id="{6833643A-3C5C-46C2-AAB4-6CE1CCD60F67}"/>
+                <a16:creationId xmlns:a16="http://schemas.microsoft.com/office/drawing/2014/main" id="{344EB893-1F10-4D93-8798-ACD1D8389A43}"/>
               </a:ext>
             </a:extLst>
           </p:cNvPr>
@@ -4057,13 +4131,10 @@
           <a:lstStyle/>
           <a:p>
             <a:r>
-              <a:rPr lang="en-US" b="1" dirty="0" err="1"/>
-              <a:t>Contd</a:t>
-            </a:r>
-            <a:r>
-              <a:rPr lang="en-US" b="1" dirty="0"/>
-              <a:t>…</a:t>
-            </a:r>
+              <a:rPr lang="en-GB" altLang="en-US" dirty="0"/>
+              <a:t>Testing a Paper Prototype</a:t>
+            </a:r>
+            <a:endParaRPr lang="en-US" b="1" cap="none" dirty="0"/>
           </a:p>
         </p:txBody>
       </p:sp>
@@ -4072,7 +4143,7 @@
           <p:cNvPr id="3" name="Content Placeholder 2">
             <a:extLst>
               <a:ext uri="{FF2B5EF4-FFF2-40B4-BE49-F238E27FC236}">
-                <a16:creationId xmlns:a16="http://schemas.microsoft.com/office/drawing/2014/main" id="{C760D7C4-6092-42FF-9BB1-BA7F2DDDF3CF}"/>
+                <a16:creationId xmlns:a16="http://schemas.microsoft.com/office/drawing/2014/main" id="{667C1337-EE66-47AD-9479-4E9CC9E6BAFC}"/>
               </a:ext>
             </a:extLst>
           </p:cNvPr>
@@ -4086,7 +4157,7 @@
         <p:spPr>
           <a:xfrm>
             <a:off x="1451579" y="1853754"/>
-            <a:ext cx="9603275" cy="4199727"/>
+            <a:ext cx="9603275" cy="4265692"/>
           </a:xfrm>
         </p:spPr>
         <p:txBody>
@@ -4095,98 +4166,52 @@
           </a:bodyPr>
           <a:lstStyle/>
           <a:p>
-            <a:pPr marL="0" indent="0">
-              <a:buNone/>
+            <a:pPr lvl="1">
+              <a:buClrTx/>
             </a:pPr>
             <a:r>
-              <a:rPr lang="en-US" sz="2400" b="1" dirty="0" err="1"/>
-              <a:t>DirectoryInfo</a:t>
-            </a:r>
-            <a:endParaRPr lang="en-US" sz="2400" dirty="0"/>
-          </a:p>
-          <a:p>
-            <a:r>
-              <a:rPr lang="en-US" sz="2400" dirty="0"/>
-              <a:t>The </a:t>
-            </a:r>
-            <a:r>
-              <a:rPr lang="en-US" sz="2400" b="1" dirty="0" err="1"/>
-              <a:t>DirectoryInfo</a:t>
-            </a:r>
-            <a:r>
-              <a:rPr lang="en-US" sz="2400" b="1" dirty="0"/>
-              <a:t> </a:t>
-            </a:r>
-            <a:r>
-              <a:rPr lang="en-US" sz="2400" dirty="0"/>
-              <a:t>represents a specific directory and can perform many of the same actions as the Directory class on specific directory. </a:t>
-            </a:r>
-          </a:p>
-          <a:p>
-            <a:r>
-              <a:rPr lang="en-US" sz="2400" dirty="0"/>
-              <a:t>It enumerates child directories and files. We can use </a:t>
-            </a:r>
-            <a:r>
-              <a:rPr lang="en-US" sz="2400" dirty="0" err="1"/>
-              <a:t>GetDirectories</a:t>
-            </a:r>
-            <a:r>
-              <a:rPr lang="en-US" sz="2400" dirty="0"/>
-              <a:t>() method of the </a:t>
-            </a:r>
-            <a:r>
-              <a:rPr lang="en-US" sz="2400" dirty="0" err="1"/>
-              <a:t>DirectoryInfo</a:t>
-            </a:r>
-            <a:r>
-              <a:rPr lang="en-US" sz="2400" dirty="0"/>
-              <a:t> class</a:t>
-            </a:r>
-          </a:p>
-          <a:p>
-            <a:r>
-              <a:rPr lang="en-US" sz="2400" dirty="0" err="1"/>
-              <a:t>DirectoryInfo</a:t>
-            </a:r>
-            <a:r>
-              <a:rPr lang="en-US" sz="2400" dirty="0"/>
-              <a:t> directory=new </a:t>
-            </a:r>
-            <a:r>
-              <a:rPr lang="en-US" sz="2400" dirty="0" err="1"/>
-              <a:t>DirectoryInfo</a:t>
-            </a:r>
-            <a:r>
-              <a:rPr lang="en-US" sz="2400" dirty="0"/>
-              <a:t>(path), </a:t>
-            </a:r>
-            <a:r>
-              <a:rPr lang="en-US" sz="2400" dirty="0" err="1"/>
-              <a:t>DirectoryInfo</a:t>
-            </a:r>
-            <a:r>
-              <a:rPr lang="en-US" sz="2400" dirty="0"/>
-              <a:t>[] directories=</a:t>
-            </a:r>
-            <a:r>
-              <a:rPr lang="en-US" sz="2400" dirty="0" err="1"/>
-              <a:t>directory.GetDirectories</a:t>
-            </a:r>
-            <a:r>
-              <a:rPr lang="en-US" sz="2400" dirty="0"/>
-              <a:t>();</a:t>
-            </a:r>
-          </a:p>
-          <a:p>
-            <a:endParaRPr lang="en-US" sz="2400" dirty="0"/>
+              <a:rPr lang="en-GB" altLang="en-US" sz="2200" dirty="0"/>
+              <a:t>Drawing the prototype is the easy part, but this is only the first step.</a:t>
+            </a:r>
+          </a:p>
+          <a:p>
+            <a:pPr lvl="2"/>
+            <a:r>
+              <a:rPr lang="en-GB" altLang="en-US" sz="2200" dirty="0"/>
+              <a:t>The next step is testing it to make sure it works.</a:t>
+            </a:r>
+          </a:p>
+          <a:p>
+            <a:pPr lvl="1">
+              <a:buClrTx/>
+            </a:pPr>
+            <a:r>
+              <a:rPr lang="en-GB" altLang="en-US" sz="2200" dirty="0"/>
+              <a:t>As part of an analysis process you will discover key tasks that need to be done by a system.</a:t>
+            </a:r>
+          </a:p>
+          <a:p>
+            <a:pPr lvl="2"/>
+            <a:r>
+              <a:rPr lang="en-GB" altLang="en-US" sz="2200" dirty="0"/>
+              <a:t>This will come out as a natural by-product of the system.</a:t>
+            </a:r>
+          </a:p>
+          <a:p>
+            <a:pPr lvl="1">
+              <a:buClrTx/>
+            </a:pPr>
+            <a:r>
+              <a:rPr lang="en-GB" altLang="en-US" sz="2200" dirty="0"/>
+              <a:t>You are looking to see if your paper prototype would permit people to optimally accomplish their goals.</a:t>
+            </a:r>
           </a:p>
         </p:txBody>
       </p:sp>
     </p:spTree>
     <p:extLst>
       <p:ext uri="{BB962C8B-B14F-4D97-AF65-F5344CB8AC3E}">
-        <p14:creationId xmlns:p14="http://schemas.microsoft.com/office/powerpoint/2010/main" val="1674469315"/>
+        <p14:creationId xmlns:p14="http://schemas.microsoft.com/office/powerpoint/2010/main" val="976114311"/>
       </p:ext>
     </p:extLst>
   </p:cSld>
@@ -4218,7 +4243,7 @@
           <p:cNvPr id="2" name="Title 1">
             <a:extLst>
               <a:ext uri="{FF2B5EF4-FFF2-40B4-BE49-F238E27FC236}">
-                <a16:creationId xmlns:a16="http://schemas.microsoft.com/office/drawing/2014/main" id="{60AFC4A9-48D5-424C-9446-750377AC09C1}"/>
+                <a16:creationId xmlns:a16="http://schemas.microsoft.com/office/drawing/2014/main" id="{33B8DDE4-E59E-41C9-B36D-2DAAE544B52F}"/>
               </a:ext>
             </a:extLst>
           </p:cNvPr>
@@ -4234,18 +4259,7 @@
           <a:bodyPr/>
           <a:lstStyle/>
           <a:p>
-            <a:r>
-              <a:rPr lang="en-US" b="1" dirty="0"/>
-              <a:t>File and </a:t>
-            </a:r>
-            <a:r>
-              <a:rPr lang="en-US" b="1" dirty="0" err="1"/>
-              <a:t>FileInfo</a:t>
-            </a:r>
-            <a:br>
-              <a:rPr lang="en-US" dirty="0"/>
-            </a:br>
-            <a:endParaRPr lang="en-US" cap="none" dirty="0"/>
+            <a:endParaRPr lang="en-US"/>
           </a:p>
         </p:txBody>
       </p:sp>
@@ -4254,7 +4268,7 @@
           <p:cNvPr id="3" name="Content Placeholder 2">
             <a:extLst>
               <a:ext uri="{FF2B5EF4-FFF2-40B4-BE49-F238E27FC236}">
-                <a16:creationId xmlns:a16="http://schemas.microsoft.com/office/drawing/2014/main" id="{5B965B92-BCE3-4C3C-A3A8-C7F21F07E4E6}"/>
+                <a16:creationId xmlns:a16="http://schemas.microsoft.com/office/drawing/2014/main" id="{9A0AC792-541D-43AE-9EAF-D7AE251809A9}"/>
               </a:ext>
             </a:extLst>
           </p:cNvPr>
@@ -4268,7 +4282,7 @@
         <p:spPr>
           <a:xfrm>
             <a:off x="1451579" y="1853754"/>
-            <a:ext cx="9603275" cy="4237557"/>
+            <a:ext cx="9603275" cy="4199727"/>
           </a:xfrm>
         </p:spPr>
         <p:txBody>
@@ -4277,62 +4291,68 @@
           </a:bodyPr>
           <a:lstStyle/>
           <a:p>
-            <a:pPr marL="0" indent="0">
-              <a:buNone/>
+            <a:pPr lvl="1">
+              <a:buClrTx/>
             </a:pPr>
             <a:r>
-              <a:rPr lang="en-US" sz="2400" b="1" dirty="0"/>
-              <a:t>File:</a:t>
-            </a:r>
-          </a:p>
-          <a:p>
-            <a:pPr marL="0" indent="0">
-              <a:buNone/>
+              <a:rPr lang="en-GB" altLang="en-US" sz="2200" dirty="0"/>
+              <a:t>Usually for this you’ll have a list of standard tasks someone would need to accomplish with a system.</a:t>
+            </a:r>
+          </a:p>
+          <a:p>
+            <a:pPr lvl="2"/>
+            <a:r>
+              <a:rPr lang="en-GB" altLang="en-US" sz="2200" dirty="0"/>
+              <a:t>Upload a file</a:t>
+            </a:r>
+          </a:p>
+          <a:p>
+            <a:pPr lvl="2"/>
+            <a:r>
+              <a:rPr lang="en-GB" altLang="en-US" sz="2200" dirty="0"/>
+              <a:t>Add a new customer record</a:t>
+            </a:r>
+          </a:p>
+          <a:p>
+            <a:pPr lvl="2"/>
+            <a:r>
+              <a:rPr lang="en-GB" altLang="en-US" sz="2200" dirty="0"/>
+              <a:t>Handle a help ticket</a:t>
+            </a:r>
+          </a:p>
+          <a:p>
+            <a:pPr lvl="1">
+              <a:buClrTx/>
             </a:pPr>
             <a:r>
-              <a:rPr lang="en-US" sz="2400" dirty="0"/>
-              <a:t>a static utility class that exposes many static methods for moving, copying and deleting files.</a:t>
-            </a:r>
-          </a:p>
-          <a:p>
-            <a:r>
-              <a:rPr lang="en-US" sz="2400" dirty="0" err="1"/>
-              <a:t>Methods:Copy</a:t>
-            </a:r>
-            <a:r>
-              <a:rPr lang="en-US" sz="2400" dirty="0"/>
-              <a:t>(), Create(), Delete(), Open(), Move(),Exists()</a:t>
-            </a:r>
-          </a:p>
-          <a:p>
-            <a:pPr marL="0" indent="0">
-              <a:buNone/>
-            </a:pPr>
-            <a:r>
-              <a:rPr lang="en-US" sz="2400" b="1" dirty="0" err="1"/>
-              <a:t>FileInfo</a:t>
-            </a:r>
-            <a:endParaRPr lang="en-US" sz="2400" b="1" dirty="0"/>
-          </a:p>
-          <a:p>
-            <a:pPr marL="0" indent="0">
-              <a:buNone/>
-            </a:pPr>
-            <a:r>
-              <a:rPr lang="en-US" sz="2400" b="1" dirty="0"/>
-              <a:t> </a:t>
-            </a:r>
-            <a:r>
-              <a:rPr lang="en-US" sz="2400" dirty="0"/>
-              <a:t>Represents a physical file on disk, and has methods to manipulate this file. </a:t>
-            </a:r>
+              <a:rPr lang="en-GB" altLang="en-US" sz="2200" dirty="0"/>
+              <a:t>Sitting down with the users, you gradually refine your paper prototype until those tasks are permitted in an optimal way.</a:t>
+            </a:r>
+          </a:p>
+          <a:p>
+            <a:pPr lvl="2"/>
+            <a:r>
+              <a:rPr lang="en-GB" altLang="en-US" sz="2200" dirty="0"/>
+              <a:t>Or at least, in a way that is reasonably effective for everyone.</a:t>
+            </a:r>
+          </a:p>
+          <a:p>
+            <a:pPr lvl="2"/>
+            <a:endParaRPr lang="en-GB" altLang="en-US" sz="2200" dirty="0"/>
+          </a:p>
+          <a:p>
+            <a:pPr lvl="2"/>
+            <a:endParaRPr lang="en-GB" altLang="en-US" sz="2200" dirty="0"/>
+          </a:p>
+          <a:p>
+            <a:endParaRPr lang="en-US" sz="2200" dirty="0"/>
           </a:p>
         </p:txBody>
       </p:sp>
     </p:spTree>
     <p:extLst>
       <p:ext uri="{BB962C8B-B14F-4D97-AF65-F5344CB8AC3E}">
-        <p14:creationId xmlns:p14="http://schemas.microsoft.com/office/powerpoint/2010/main" val="2010916725"/>
+        <p14:creationId xmlns:p14="http://schemas.microsoft.com/office/powerpoint/2010/main" val="761371845"/>
       </p:ext>
     </p:extLst>
   </p:cSld>
@@ -4361,10 +4381,10 @@
       </p:grpSpPr>
       <p:sp>
         <p:nvSpPr>
-          <p:cNvPr id="2" name="Title 1">
+          <p:cNvPr id="3" name="Content Placeholder 2">
             <a:extLst>
               <a:ext uri="{FF2B5EF4-FFF2-40B4-BE49-F238E27FC236}">
-                <a16:creationId xmlns:a16="http://schemas.microsoft.com/office/drawing/2014/main" id="{344EB893-1F10-4D93-8798-ACD1D8389A43}"/>
+                <a16:creationId xmlns:a16="http://schemas.microsoft.com/office/drawing/2014/main" id="{8500AFD3-4727-44C6-ADFB-5AD84ECB0C79}"/>
               </a:ext>
             </a:extLst>
           </p:cNvPr>
@@ -4372,27 +4392,66 @@
             <a:spLocks noGrp="1"/>
           </p:cNvSpPr>
           <p:nvPr>
-            <p:ph type="title"/>
-          </p:nvPr>
-        </p:nvSpPr>
-        <p:spPr/>
-        <p:txBody>
-          <a:bodyPr/>
-          <a:lstStyle/>
-          <a:p>
-            <a:r>
-              <a:rPr lang="en-US" b="1" cap="none" dirty="0"/>
-              <a:t>CONTD…</a:t>
-            </a:r>
-          </a:p>
-        </p:txBody>
-      </p:sp>
-      <p:sp>
-        <p:nvSpPr>
-          <p:cNvPr id="3" name="Content Placeholder 2">
+            <p:ph idx="1"/>
+          </p:nvPr>
+        </p:nvSpPr>
+        <p:spPr>
+          <a:xfrm>
+            <a:off x="1451578" y="1842052"/>
+            <a:ext cx="9603275" cy="4211429"/>
+          </a:xfrm>
+        </p:spPr>
+        <p:txBody>
+          <a:bodyPr>
+            <a:noAutofit/>
+          </a:bodyPr>
+          <a:lstStyle/>
+          <a:p>
+            <a:r>
+              <a:rPr lang="en-US" sz="2400" dirty="0"/>
+              <a:t>Wizard of Oz prototyping (WOZ prototyping) is a design methodology used in rapid product development to improve the user experience (UX).</a:t>
+            </a:r>
+          </a:p>
+          <a:p>
+            <a:r>
+              <a:rPr lang="en-US" sz="2400" dirty="0"/>
+              <a:t>WOZ prototyping requires developers to create a rudimentary model of the completed product, which is called a prototype.  </a:t>
+            </a:r>
+          </a:p>
+          <a:p>
+            <a:r>
+              <a:rPr lang="en-US" sz="2200" b="1" dirty="0"/>
+              <a:t>Oz</a:t>
+            </a:r>
+            <a:r>
+              <a:rPr lang="en-US" sz="2200" dirty="0"/>
+              <a:t> is an abbreviation for </a:t>
+            </a:r>
+            <a:r>
+              <a:rPr lang="en-US" sz="2200" b="1" dirty="0"/>
+              <a:t>ounces. oz</a:t>
+            </a:r>
+            <a:r>
+              <a:rPr lang="en-US" sz="2200" dirty="0"/>
+              <a:t> is a measurement unit for a bottle of water. An example of </a:t>
+            </a:r>
+            <a:r>
+              <a:rPr lang="en-US" sz="2200" b="1" dirty="0"/>
+              <a:t>Oz</a:t>
+            </a:r>
+            <a:r>
+              <a:rPr lang="en-US" sz="2200" dirty="0"/>
+              <a:t> is where the Tin Man lives.</a:t>
+            </a:r>
+          </a:p>
+        </p:txBody>
+      </p:sp>
+      <p:sp>
+        <p:nvSpPr>
+          <p:cNvPr id="8" name="Title 7">
             <a:extLst>
               <a:ext uri="{FF2B5EF4-FFF2-40B4-BE49-F238E27FC236}">
-                <a16:creationId xmlns:a16="http://schemas.microsoft.com/office/drawing/2014/main" id="{667C1337-EE66-47AD-9479-4E9CC9E6BAFC}"/>
+                <a16:creationId xmlns:a16="http://schemas.microsoft.com/office/drawing/2014/main" id="{44ECFB31-5B7F-4A0E-9CD2-CA37D9F5E297}"/>
               </a:ext>
             </a:extLst>
           </p:cNvPr>
@@ -4400,97 +4459,25 @@
             <a:spLocks noGrp="1"/>
           </p:cNvSpPr>
           <p:nvPr>
-            <p:ph idx="1"/>
-          </p:nvPr>
-        </p:nvSpPr>
-        <p:spPr>
-          <a:xfrm>
-            <a:off x="1451579" y="1853754"/>
-            <a:ext cx="9603275" cy="4265692"/>
-          </a:xfrm>
-        </p:spPr>
-        <p:txBody>
-          <a:bodyPr>
-            <a:normAutofit/>
-          </a:bodyPr>
-          <a:lstStyle/>
-          <a:p>
-            <a:r>
-              <a:rPr lang="en-US" sz="2400" dirty="0" err="1"/>
-              <a:t>FileInfo</a:t>
-            </a:r>
-            <a:r>
-              <a:rPr lang="en-US" sz="2400" dirty="0"/>
-              <a:t> </a:t>
-            </a:r>
-            <a:r>
-              <a:rPr lang="en-US" sz="2400" dirty="0" err="1"/>
-              <a:t>aFile</a:t>
-            </a:r>
-            <a:r>
-              <a:rPr lang="en-US" sz="2400" dirty="0"/>
-              <a:t>=new </a:t>
-            </a:r>
-            <a:r>
-              <a:rPr lang="en-US" sz="2400" dirty="0" err="1"/>
-              <a:t>FileInfo</a:t>
-            </a:r>
-            <a:r>
-              <a:rPr lang="en-US" sz="2400" dirty="0"/>
-              <a:t>(@”C:\test.txt”)</a:t>
-            </a:r>
-          </a:p>
-          <a:p>
-            <a:r>
-              <a:rPr lang="en-US" sz="2400" dirty="0" err="1"/>
-              <a:t>aFile.Exists</a:t>
-            </a:r>
-            <a:r>
-              <a:rPr lang="en-US" sz="2400" dirty="0"/>
-              <a:t>, </a:t>
-            </a:r>
-            <a:r>
-              <a:rPr lang="en-US" sz="2400" dirty="0" err="1"/>
-              <a:t>aFile.Name</a:t>
-            </a:r>
-            <a:r>
-              <a:rPr lang="en-US" sz="2400" dirty="0"/>
-              <a:t>, </a:t>
-            </a:r>
-            <a:r>
-              <a:rPr lang="en-US" sz="2400" dirty="0" err="1"/>
-              <a:t>aFile.FullName</a:t>
-            </a:r>
-            <a:r>
-              <a:rPr lang="en-US" sz="2400" dirty="0"/>
-              <a:t>, </a:t>
-            </a:r>
-            <a:r>
-              <a:rPr lang="en-US" sz="2400" dirty="0" err="1"/>
-              <a:t>aFile.Extension</a:t>
-            </a:r>
-            <a:r>
-              <a:rPr lang="en-US" sz="2400" dirty="0"/>
-              <a:t>, </a:t>
-            </a:r>
-            <a:r>
-              <a:rPr lang="en-US" sz="2400" dirty="0" err="1"/>
-              <a:t>aFile.CreationTime</a:t>
-            </a:r>
-            <a:endParaRPr lang="en-US" sz="2400" dirty="0"/>
-          </a:p>
-          <a:p>
-            <a:pPr marL="0" indent="0">
-              <a:buNone/>
-            </a:pPr>
-            <a:endParaRPr lang="en-US" sz="2400" dirty="0"/>
+            <p:ph type="title"/>
+          </p:nvPr>
+        </p:nvSpPr>
+        <p:spPr/>
+        <p:txBody>
+          <a:bodyPr/>
+          <a:lstStyle/>
+          <a:p>
+            <a:r>
+              <a:rPr lang="en-US" b="1" dirty="0"/>
+              <a:t>Wizard of Oz</a:t>
+            </a:r>
           </a:p>
         </p:txBody>
       </p:sp>
     </p:spTree>
     <p:extLst>
       <p:ext uri="{BB962C8B-B14F-4D97-AF65-F5344CB8AC3E}">
-        <p14:creationId xmlns:p14="http://schemas.microsoft.com/office/powerpoint/2010/main" val="976114311"/>
+        <p14:creationId xmlns:p14="http://schemas.microsoft.com/office/powerpoint/2010/main" val="3342811550"/>
       </p:ext>
     </p:extLst>
   </p:cSld>
@@ -4522,7 +4509,7 @@
           <p:cNvPr id="2" name="Title 1">
             <a:extLst>
               <a:ext uri="{FF2B5EF4-FFF2-40B4-BE49-F238E27FC236}">
-                <a16:creationId xmlns:a16="http://schemas.microsoft.com/office/drawing/2014/main" id="{AFF4150A-E204-4E00-A0FD-604B22BAF1E6}"/>
+                <a16:creationId xmlns:a16="http://schemas.microsoft.com/office/drawing/2014/main" id="{6A67C8CB-989C-4AF0-8FC4-91AB19C0B282}"/>
               </a:ext>
             </a:extLst>
           </p:cNvPr>
@@ -4539,8 +4526,8 @@
           <a:lstStyle/>
           <a:p>
             <a:r>
-              <a:rPr lang="en-US" b="1" dirty="0" err="1"/>
-              <a:t>FileStream</a:t>
+              <a:rPr lang="en-GB" altLang="en-US" dirty="0"/>
+              <a:t>The Wizard of Oz Simulation</a:t>
             </a:r>
             <a:endParaRPr lang="en-US" dirty="0"/>
           </a:p>
@@ -4551,7 +4538,7 @@
           <p:cNvPr id="3" name="Content Placeholder 2">
             <a:extLst>
               <a:ext uri="{FF2B5EF4-FFF2-40B4-BE49-F238E27FC236}">
-                <a16:creationId xmlns:a16="http://schemas.microsoft.com/office/drawing/2014/main" id="{B574A891-2162-4696-8095-CB77F5199648}"/>
+                <a16:creationId xmlns:a16="http://schemas.microsoft.com/office/drawing/2014/main" id="{FEB30CF2-E51B-48E1-9728-51F653330E1B}"/>
               </a:ext>
             </a:extLst>
           </p:cNvPr>
@@ -4565,7 +4552,7 @@
         <p:spPr>
           <a:xfrm>
             <a:off x="1451579" y="1853754"/>
-            <a:ext cx="9603275" cy="4277223"/>
+            <a:ext cx="9603275" cy="3612591"/>
           </a:xfrm>
         </p:spPr>
         <p:txBody>
@@ -4574,94 +4561,65 @@
           </a:bodyPr>
           <a:lstStyle/>
           <a:p>
-            <a:r>
-              <a:rPr lang="en-US" sz="2400" dirty="0"/>
-              <a:t>Represents a file that can be written to or read from, or both. </a:t>
-            </a:r>
-          </a:p>
-          <a:p>
-            <a:r>
-              <a:rPr lang="en-US" sz="2400" dirty="0"/>
-              <a:t>This file can be written to and read from.</a:t>
-            </a:r>
-          </a:p>
-          <a:p>
-            <a:r>
-              <a:rPr lang="en-US" sz="2400" dirty="0" err="1"/>
-              <a:t>FileStream</a:t>
-            </a:r>
-            <a:r>
-              <a:rPr lang="en-US" sz="2400" dirty="0"/>
-              <a:t> </a:t>
-            </a:r>
-            <a:r>
-              <a:rPr lang="en-US" sz="2400" dirty="0" err="1"/>
-              <a:t>aFile</a:t>
-            </a:r>
-            <a:r>
-              <a:rPr lang="en-US" sz="2400" dirty="0"/>
-              <a:t>=new </a:t>
-            </a:r>
-            <a:r>
-              <a:rPr lang="en-US" sz="2400" dirty="0" err="1"/>
-              <a:t>FileStream</a:t>
-            </a:r>
-            <a:r>
-              <a:rPr lang="en-US" sz="2400" dirty="0"/>
-              <a:t>(filename, </a:t>
-            </a:r>
-            <a:r>
-              <a:rPr lang="en-US" sz="2400" dirty="0" err="1"/>
-              <a:t>FileMode.Member</a:t>
-            </a:r>
-            <a:r>
-              <a:rPr lang="en-US" sz="2400" dirty="0"/>
-              <a:t>);</a:t>
-            </a:r>
-          </a:p>
-          <a:p>
-            <a:r>
-              <a:rPr lang="en-US" sz="2400" dirty="0" err="1"/>
-              <a:t>FileStreamaFile</a:t>
-            </a:r>
-            <a:r>
-              <a:rPr lang="en-US" sz="2400" dirty="0"/>
-              <a:t>=new </a:t>
-            </a:r>
-            <a:r>
-              <a:rPr lang="en-US" sz="2400" dirty="0" err="1"/>
-              <a:t>FileStream</a:t>
-            </a:r>
-            <a:r>
-              <a:rPr lang="en-US" sz="2400" dirty="0"/>
-              <a:t>(filename, </a:t>
-            </a:r>
-            <a:r>
-              <a:rPr lang="en-US" sz="2400" dirty="0" err="1"/>
-              <a:t>FileMode.Member</a:t>
-            </a:r>
-            <a:r>
-              <a:rPr lang="en-US" sz="2400" dirty="0"/>
-              <a:t>, </a:t>
-            </a:r>
-            <a:r>
-              <a:rPr lang="en-US" sz="2400" dirty="0" err="1"/>
-              <a:t>FileAccess.Member</a:t>
-            </a:r>
-            <a:r>
-              <a:rPr lang="en-US" sz="2400" dirty="0"/>
-              <a:t>);</a:t>
-            </a:r>
-          </a:p>
-          <a:p>
-            <a:endParaRPr lang="en-US" sz="2400" dirty="0"/>
+            <a:pPr lvl="1">
+              <a:buClrTx/>
+            </a:pPr>
+            <a:r>
+              <a:rPr lang="en-GB" altLang="en-US" sz="2200" dirty="0"/>
+              <a:t>Since your prototype is just paper, you can’t use it by itself.</a:t>
+            </a:r>
+          </a:p>
+          <a:p>
+            <a:pPr lvl="1">
+              <a:buClrTx/>
+            </a:pPr>
+            <a:r>
+              <a:rPr lang="en-GB" altLang="en-US" sz="2200" dirty="0"/>
+              <a:t>Your role in this is partially to draw and reconstruct the system.</a:t>
+            </a:r>
+          </a:p>
+          <a:p>
+            <a:pPr lvl="1">
+              <a:buClrTx/>
+            </a:pPr>
+            <a:r>
+              <a:rPr lang="en-GB" altLang="en-US" sz="2200" dirty="0"/>
+              <a:t>More importantly, your role is to emulate how the finished system will work.</a:t>
+            </a:r>
+          </a:p>
+          <a:p>
+            <a:pPr lvl="1">
+              <a:buClrTx/>
+            </a:pPr>
+            <a:r>
+              <a:rPr lang="en-GB" altLang="en-US" sz="2200" dirty="0"/>
+              <a:t>We do this through what is known as a </a:t>
+            </a:r>
+            <a:r>
+              <a:rPr lang="en-GB" altLang="en-US" sz="2200" b="1" dirty="0"/>
+              <a:t>wizard of Oz simulation</a:t>
+            </a:r>
+            <a:r>
+              <a:rPr lang="en-GB" altLang="en-US" sz="2200" dirty="0"/>
+              <a:t>.</a:t>
+            </a:r>
+          </a:p>
+          <a:p>
+            <a:pPr lvl="2"/>
+            <a:r>
+              <a:rPr lang="en-GB" altLang="en-US" sz="2200" dirty="0"/>
+              <a:t>You play the part of the computer.</a:t>
+            </a:r>
+          </a:p>
+          <a:p>
+            <a:endParaRPr lang="en-US" sz="2200" dirty="0"/>
           </a:p>
         </p:txBody>
       </p:sp>
     </p:spTree>
     <p:extLst>
       <p:ext uri="{BB962C8B-B14F-4D97-AF65-F5344CB8AC3E}">
-        <p14:creationId xmlns:p14="http://schemas.microsoft.com/office/powerpoint/2010/main" val="1888979111"/>
+        <p14:creationId xmlns:p14="http://schemas.microsoft.com/office/powerpoint/2010/main" val="2566481780"/>
       </p:ext>
     </p:extLst>
   </p:cSld>
@@ -4693,7 +4651,7 @@
           <p:cNvPr id="2" name="Title 1">
             <a:extLst>
               <a:ext uri="{FF2B5EF4-FFF2-40B4-BE49-F238E27FC236}">
-                <a16:creationId xmlns:a16="http://schemas.microsoft.com/office/drawing/2014/main" id="{8BD51288-63CD-4DCB-9F31-28F63873B145}"/>
+                <a16:creationId xmlns:a16="http://schemas.microsoft.com/office/drawing/2014/main" id="{A7BF5D78-032B-41BB-98C5-7278847A4DDA}"/>
               </a:ext>
             </a:extLst>
           </p:cNvPr>
@@ -4709,11 +4667,7 @@
           <a:bodyPr/>
           <a:lstStyle/>
           <a:p>
-            <a:r>
-              <a:rPr lang="en-US" b="1" dirty="0" err="1"/>
-              <a:t>StreamReader</a:t>
-            </a:r>
-            <a:endParaRPr lang="en-US" dirty="0"/>
+            <a:endParaRPr lang="en-US"/>
           </a:p>
         </p:txBody>
       </p:sp>
@@ -4722,7 +4676,7 @@
           <p:cNvPr id="3" name="Content Placeholder 2">
             <a:extLst>
               <a:ext uri="{FF2B5EF4-FFF2-40B4-BE49-F238E27FC236}">
-                <a16:creationId xmlns:a16="http://schemas.microsoft.com/office/drawing/2014/main" id="{B7033561-16EB-4A0E-B4D8-0C0A5DB89311}"/>
+                <a16:creationId xmlns:a16="http://schemas.microsoft.com/office/drawing/2014/main" id="{D51207C0-0A9C-415E-8DFF-FF0FA13A1FA1}"/>
               </a:ext>
             </a:extLst>
           </p:cNvPr>
@@ -4735,8 +4689,8 @@
         </p:nvSpPr>
         <p:spPr>
           <a:xfrm>
-            <a:off x="1451579" y="1853754"/>
-            <a:ext cx="9603275" cy="4262233"/>
+            <a:off x="1451579" y="2015732"/>
+            <a:ext cx="9603275" cy="4037749"/>
           </a:xfrm>
         </p:spPr>
         <p:txBody>
@@ -4745,117 +4699,62 @@
           </a:bodyPr>
           <a:lstStyle/>
           <a:p>
-            <a:r>
-              <a:rPr lang="en-US" dirty="0"/>
-              <a:t>Reads character data from a stream and can be created by using a </a:t>
-            </a:r>
-            <a:r>
-              <a:rPr lang="en-US" dirty="0" err="1"/>
-              <a:t>FileStream</a:t>
-            </a:r>
-            <a:r>
-              <a:rPr lang="en-US" dirty="0"/>
-              <a:t> as base</a:t>
-            </a:r>
-          </a:p>
-          <a:p>
-            <a:r>
-              <a:rPr lang="en-US" b="1" dirty="0"/>
-              <a:t>Example</a:t>
-            </a:r>
-            <a:endParaRPr lang="en-US" dirty="0"/>
-          </a:p>
-          <a:p>
-            <a:r>
-              <a:rPr lang="en-US" dirty="0" err="1"/>
-              <a:t>StreamReader</a:t>
-            </a:r>
-            <a:r>
-              <a:rPr lang="en-US" dirty="0"/>
-              <a:t> </a:t>
-            </a:r>
-            <a:r>
-              <a:rPr lang="en-US" dirty="0" err="1"/>
-              <a:t>sr</a:t>
-            </a:r>
-            <a:r>
-              <a:rPr lang="en-US" dirty="0"/>
-              <a:t> = new </a:t>
-            </a:r>
-            <a:r>
-              <a:rPr lang="en-US" dirty="0" err="1"/>
-              <a:t>StreamReader</a:t>
-            </a:r>
-            <a:r>
-              <a:rPr lang="en-US" dirty="0"/>
-              <a:t>(</a:t>
-            </a:r>
-            <a:r>
-              <a:rPr lang="en-US" dirty="0" err="1"/>
-              <a:t>File.Open</a:t>
-            </a:r>
-            <a:r>
-              <a:rPr lang="en-US" dirty="0"/>
-              <a:t>(</a:t>
-            </a:r>
-            <a:r>
-              <a:rPr lang="en-US" dirty="0" err="1"/>
-              <a:t>MapPath</a:t>
-            </a:r>
-            <a:r>
-              <a:rPr lang="en-US" dirty="0"/>
-              <a:t>("TextFile.txt"), </a:t>
-            </a:r>
-            <a:r>
-              <a:rPr lang="en-US" dirty="0" err="1"/>
-              <a:t>FileMode.Open</a:t>
-            </a:r>
-            <a:r>
-              <a:rPr lang="en-US" dirty="0"/>
-              <a:t>));</a:t>
-            </a:r>
-          </a:p>
-          <a:p>
-            <a:r>
-              <a:rPr lang="en-US" dirty="0"/>
-              <a:t>string </a:t>
-            </a:r>
-            <a:r>
-              <a:rPr lang="en-US" dirty="0" err="1"/>
-              <a:t>tmp</a:t>
-            </a:r>
-            <a:r>
-              <a:rPr lang="en-US" dirty="0"/>
-              <a:t> = </a:t>
-            </a:r>
-            <a:r>
-              <a:rPr lang="en-US" dirty="0" err="1"/>
-              <a:t>sr.ReadToEnd</a:t>
-            </a:r>
-            <a:r>
-              <a:rPr lang="en-US" dirty="0"/>
-              <a:t>();</a:t>
-            </a:r>
-          </a:p>
-          <a:p>
-            <a:r>
-              <a:rPr lang="en-US" dirty="0" err="1"/>
-              <a:t>sr.Close</a:t>
-            </a:r>
-            <a:r>
-              <a:rPr lang="en-US" dirty="0"/>
-              <a:t>();</a:t>
-            </a:r>
-          </a:p>
-          <a:p>
-            <a:endParaRPr lang="en-US" sz="2400" dirty="0"/>
+            <a:pPr lvl="1">
+              <a:buClrTx/>
+            </a:pPr>
+            <a:r>
+              <a:rPr lang="en-GB" altLang="en-US" sz="2200" dirty="0"/>
+              <a:t>A paper prototype may consist of many separate pages.</a:t>
+            </a:r>
+          </a:p>
+          <a:p>
+            <a:pPr lvl="2"/>
+            <a:r>
+              <a:rPr lang="en-GB" altLang="en-US" sz="2200" dirty="0"/>
+              <a:t>Each representing a screen or page of the application.</a:t>
+            </a:r>
+          </a:p>
+          <a:p>
+            <a:pPr lvl="1">
+              <a:buClrTx/>
+            </a:pPr>
+            <a:r>
+              <a:rPr lang="en-GB" altLang="en-US" sz="2200" dirty="0"/>
+              <a:t>When a user presses buttons on the prototype, you switch out the screens for what they should be seeing.</a:t>
+            </a:r>
+          </a:p>
+          <a:p>
+            <a:pPr lvl="2"/>
+            <a:r>
+              <a:rPr lang="en-GB" altLang="en-US" sz="2200" dirty="0"/>
+              <a:t>If there are sounds, you make them.</a:t>
+            </a:r>
+          </a:p>
+          <a:p>
+            <a:pPr lvl="2"/>
+            <a:r>
+              <a:rPr lang="en-GB" altLang="en-US" sz="2200" dirty="0"/>
+              <a:t>If there’s a data store, you are responsible for holding it.</a:t>
+            </a:r>
+          </a:p>
+          <a:p>
+            <a:pPr lvl="1">
+              <a:buClrTx/>
+            </a:pPr>
+            <a:r>
+              <a:rPr lang="en-GB" altLang="en-US" sz="2200" dirty="0"/>
+              <a:t>You are the wizard behind the curtain.</a:t>
+            </a:r>
+          </a:p>
+          <a:p>
+            <a:endParaRPr lang="en-US" sz="2200" dirty="0"/>
           </a:p>
         </p:txBody>
       </p:sp>
     </p:spTree>
     <p:extLst>
       <p:ext uri="{BB962C8B-B14F-4D97-AF65-F5344CB8AC3E}">
-        <p14:creationId xmlns:p14="http://schemas.microsoft.com/office/powerpoint/2010/main" val="1726231256"/>
+        <p14:creationId xmlns:p14="http://schemas.microsoft.com/office/powerpoint/2010/main" val="2714989328"/>
       </p:ext>
     </p:extLst>
   </p:cSld>
@@ -4887,7 +4786,7 @@
           <p:cNvPr id="2" name="Title 1">
             <a:extLst>
               <a:ext uri="{FF2B5EF4-FFF2-40B4-BE49-F238E27FC236}">
-                <a16:creationId xmlns:a16="http://schemas.microsoft.com/office/drawing/2014/main" id="{5C1E9B34-4A50-45FA-A981-CBEC081EEF93}"/>
+                <a16:creationId xmlns:a16="http://schemas.microsoft.com/office/drawing/2014/main" id="{5D6D147B-8C77-48FF-A2CA-2103E3DEA4E6}"/>
               </a:ext>
             </a:extLst>
           </p:cNvPr>
@@ -4904,8 +4803,8 @@
           <a:lstStyle/>
           <a:p>
             <a:r>
-              <a:rPr lang="en-US" b="1" dirty="0" err="1"/>
-              <a:t>StreamWriter</a:t>
+              <a:rPr lang="en-GB" altLang="en-US" dirty="0"/>
+              <a:t>Evaluation</a:t>
             </a:r>
             <a:endParaRPr lang="en-US" dirty="0"/>
           </a:p>
@@ -4916,7 +4815,7 @@
           <p:cNvPr id="3" name="Content Placeholder 2">
             <a:extLst>
               <a:ext uri="{FF2B5EF4-FFF2-40B4-BE49-F238E27FC236}">
-                <a16:creationId xmlns:a16="http://schemas.microsoft.com/office/drawing/2014/main" id="{0FBB31D3-4D5C-4291-A98C-94136C6A0154}"/>
+                <a16:creationId xmlns:a16="http://schemas.microsoft.com/office/drawing/2014/main" id="{EB31FC15-D813-4349-9A11-D178BBCEB3DF}"/>
               </a:ext>
             </a:extLst>
           </p:cNvPr>
@@ -4930,7 +4829,7 @@
         <p:spPr>
           <a:xfrm>
             <a:off x="1451579" y="1853754"/>
-            <a:ext cx="9603275" cy="3612591"/>
+            <a:ext cx="9603275" cy="4199727"/>
           </a:xfrm>
         </p:spPr>
         <p:txBody>
@@ -4939,105 +4838,65 @@
           </a:bodyPr>
           <a:lstStyle/>
           <a:p>
-            <a:r>
-              <a:rPr lang="en-US" dirty="0"/>
-              <a:t>Writes character data to a stream and can be created by using a </a:t>
-            </a:r>
-            <a:r>
-              <a:rPr lang="en-US" dirty="0" err="1"/>
-              <a:t>FileStream</a:t>
-            </a:r>
-            <a:r>
-              <a:rPr lang="en-US" dirty="0"/>
-              <a:t> as base</a:t>
-            </a:r>
-          </a:p>
-          <a:p>
-            <a:r>
-              <a:rPr lang="en-US" b="1" dirty="0"/>
-              <a:t>Example</a:t>
-            </a:r>
-            <a:endParaRPr lang="en-US" dirty="0"/>
-          </a:p>
-          <a:p>
-            <a:r>
-              <a:rPr lang="en-US" dirty="0" err="1"/>
-              <a:t>StreamWriter</a:t>
-            </a:r>
-            <a:r>
-              <a:rPr lang="en-US" dirty="0"/>
-              <a:t>  </a:t>
-            </a:r>
-            <a:r>
-              <a:rPr lang="en-US" dirty="0" err="1"/>
-              <a:t>sw</a:t>
-            </a:r>
-            <a:r>
-              <a:rPr lang="en-US" dirty="0"/>
-              <a:t> = new </a:t>
-            </a:r>
-            <a:r>
-              <a:rPr lang="en-US" dirty="0" err="1"/>
-              <a:t>StreamWriter</a:t>
-            </a:r>
-            <a:r>
-              <a:rPr lang="en-US" dirty="0"/>
-              <a:t>(</a:t>
-            </a:r>
-            <a:r>
-              <a:rPr lang="en-US" dirty="0" err="1"/>
-              <a:t>File.Open</a:t>
-            </a:r>
-            <a:r>
-              <a:rPr lang="en-US" dirty="0"/>
-              <a:t>(</a:t>
-            </a:r>
-            <a:r>
-              <a:rPr lang="en-US" dirty="0" err="1"/>
-              <a:t>MapPath</a:t>
-            </a:r>
-            <a:r>
-              <a:rPr lang="en-US" dirty="0"/>
-              <a:t>("TextFile.txt"), </a:t>
-            </a:r>
-            <a:r>
-              <a:rPr lang="en-US" dirty="0" err="1"/>
-              <a:t>FileMode.Open</a:t>
-            </a:r>
-            <a:r>
-              <a:rPr lang="en-US" dirty="0"/>
-              <a:t>));</a:t>
-            </a:r>
-          </a:p>
-          <a:p>
-            <a:r>
-              <a:rPr lang="en-US" dirty="0" err="1"/>
-              <a:t>sw.Write</a:t>
-            </a:r>
-            <a:r>
-              <a:rPr lang="en-US" dirty="0"/>
-              <a:t>("This is a string");</a:t>
-            </a:r>
-          </a:p>
-          <a:p>
-            <a:r>
-              <a:rPr lang="en-US" dirty="0" err="1"/>
-              <a:t>sw.Close</a:t>
-            </a:r>
-            <a:r>
-              <a:rPr lang="en-US" dirty="0"/>
-              <a:t>();</a:t>
-            </a:r>
-          </a:p>
-          <a:p>
-            <a:endParaRPr lang="en-US" sz="2400" dirty="0"/>
+            <a:pPr lvl="1">
+              <a:buClrTx/>
+            </a:pPr>
+            <a:r>
+              <a:rPr lang="en-GB" altLang="en-US" sz="2200" dirty="0"/>
+              <a:t>Your third major role in paper prototyping is observation.</a:t>
+            </a:r>
+          </a:p>
+          <a:p>
+            <a:pPr lvl="2"/>
+            <a:r>
+              <a:rPr lang="en-GB" altLang="en-US" sz="2200" dirty="0"/>
+              <a:t>You need to watch and listen to how people interact with the prototype.</a:t>
+            </a:r>
+          </a:p>
+          <a:p>
+            <a:pPr lvl="1">
+              <a:buClrTx/>
+            </a:pPr>
+            <a:r>
+              <a:rPr lang="en-GB" altLang="en-US" sz="2200" dirty="0"/>
+              <a:t>If they’re finding something difficult, make it easier to do.</a:t>
+            </a:r>
+          </a:p>
+          <a:p>
+            <a:pPr lvl="1">
+              <a:buClrTx/>
+            </a:pPr>
+            <a:r>
+              <a:rPr lang="en-GB" altLang="en-US" sz="2200" dirty="0"/>
+              <a:t>If they’re not sure what they should do, act as a help system.</a:t>
+            </a:r>
+          </a:p>
+          <a:p>
+            <a:pPr lvl="1">
+              <a:buClrTx/>
+            </a:pPr>
+            <a:r>
+              <a:rPr lang="en-GB" altLang="en-US" sz="2200" dirty="0"/>
+              <a:t>Work to minimise your need to explain things.</a:t>
+            </a:r>
+          </a:p>
+          <a:p>
+            <a:pPr lvl="2"/>
+            <a:endParaRPr lang="en-GB" altLang="en-US" sz="2200" dirty="0"/>
+          </a:p>
+          <a:p>
+            <a:pPr lvl="2"/>
+            <a:endParaRPr lang="en-GB" altLang="en-US" sz="2200" dirty="0"/>
+          </a:p>
+          <a:p>
+            <a:endParaRPr lang="en-US" sz="2200" dirty="0"/>
           </a:p>
         </p:txBody>
       </p:sp>
     </p:spTree>
     <p:extLst>
       <p:ext uri="{BB962C8B-B14F-4D97-AF65-F5344CB8AC3E}">
-        <p14:creationId xmlns:p14="http://schemas.microsoft.com/office/powerpoint/2010/main" val="2853566785"/>
+        <p14:creationId xmlns:p14="http://schemas.microsoft.com/office/powerpoint/2010/main" val="4199424122"/>
       </p:ext>
     </p:extLst>
   </p:cSld>
